--- a/DOKUMENTACIJA UML/OORP-8_PredložakPrezentacije.pptx
+++ b/DOKUMENTACIJA UML/OORP-8_PredložakPrezentacije.pptx
@@ -722,13 +722,13 @@
   <p:clrMapOvr>
     <a:masterClrMapping/>
   </p:clrMapOvr>
-  <mc:AlternateContent xmlns:mc="http://schemas.openxmlformats.org/markup-compatibility/2006">
-    <mc:Choice xmlns:p159="http://schemas.microsoft.com/office/powerpoint/2015/09/main" Requires="p159">
+  <mc:AlternateContent xmlns:mc="http://schemas.openxmlformats.org/markup-compatibility/2006" xmlns:p159="http://schemas.microsoft.com/office/powerpoint/2015/09/main">
+    <mc:Choice Requires="p159">
       <p:transition xmlns:p14="http://schemas.microsoft.com/office/powerpoint/2010/main" spd="slow" p14:dur="2000">
         <p159:morph option="byChar"/>
       </p:transition>
     </mc:Choice>
-    <mc:Fallback>
+    <mc:Fallback xmlns="">
       <p:transition spd="slow">
         <p:fade/>
       </p:transition>
@@ -961,13 +961,13 @@
   <p:clrMapOvr>
     <a:masterClrMapping/>
   </p:clrMapOvr>
-  <mc:AlternateContent xmlns:mc="http://schemas.openxmlformats.org/markup-compatibility/2006">
-    <mc:Choice xmlns:p159="http://schemas.microsoft.com/office/powerpoint/2015/09/main" Requires="p159">
+  <mc:AlternateContent xmlns:mc="http://schemas.openxmlformats.org/markup-compatibility/2006" xmlns:p159="http://schemas.microsoft.com/office/powerpoint/2015/09/main">
+    <mc:Choice Requires="p159">
       <p:transition xmlns:p14="http://schemas.microsoft.com/office/powerpoint/2010/main" spd="slow" p14:dur="2000">
         <p159:morph option="byChar"/>
       </p:transition>
     </mc:Choice>
-    <mc:Fallback>
+    <mc:Fallback xmlns="">
       <p:transition spd="slow">
         <p:fade/>
       </p:transition>
@@ -1210,13 +1210,13 @@
   <p:clrMapOvr>
     <a:masterClrMapping/>
   </p:clrMapOvr>
-  <mc:AlternateContent xmlns:mc="http://schemas.openxmlformats.org/markup-compatibility/2006">
-    <mc:Choice xmlns:p159="http://schemas.microsoft.com/office/powerpoint/2015/09/main" Requires="p159">
+  <mc:AlternateContent xmlns:mc="http://schemas.openxmlformats.org/markup-compatibility/2006" xmlns:p159="http://schemas.microsoft.com/office/powerpoint/2015/09/main">
+    <mc:Choice Requires="p159">
       <p:transition xmlns:p14="http://schemas.microsoft.com/office/powerpoint/2010/main" spd="slow" p14:dur="2000">
         <p159:morph option="byChar"/>
       </p:transition>
     </mc:Choice>
-    <mc:Fallback>
+    <mc:Fallback xmlns="">
       <p:transition spd="slow">
         <p:fade/>
       </p:transition>
@@ -1339,13 +1339,13 @@
   <p:clrMapOvr>
     <a:masterClrMapping/>
   </p:clrMapOvr>
-  <mc:AlternateContent xmlns:mc="http://schemas.openxmlformats.org/markup-compatibility/2006">
-    <mc:Choice xmlns:p159="http://schemas.microsoft.com/office/powerpoint/2015/09/main" Requires="p159">
+  <mc:AlternateContent xmlns:mc="http://schemas.openxmlformats.org/markup-compatibility/2006" xmlns:p159="http://schemas.microsoft.com/office/powerpoint/2015/09/main">
+    <mc:Choice Requires="p159">
       <p:transition xmlns:p14="http://schemas.microsoft.com/office/powerpoint/2010/main" spd="slow" p14:dur="2000">
         <p159:morph option="byChar"/>
       </p:transition>
     </mc:Choice>
-    <mc:Fallback>
+    <mc:Fallback xmlns="">
       <p:transition spd="slow">
         <p:fade/>
       </p:transition>
@@ -1654,13 +1654,13 @@
   <p:clrMapOvr>
     <a:masterClrMapping/>
   </p:clrMapOvr>
-  <mc:AlternateContent xmlns:mc="http://schemas.openxmlformats.org/markup-compatibility/2006">
-    <mc:Choice xmlns:p159="http://schemas.microsoft.com/office/powerpoint/2015/09/main" Requires="p159">
+  <mc:AlternateContent xmlns:mc="http://schemas.openxmlformats.org/markup-compatibility/2006" xmlns:p159="http://schemas.microsoft.com/office/powerpoint/2015/09/main">
+    <mc:Choice Requires="p159">
       <p:transition xmlns:p14="http://schemas.microsoft.com/office/powerpoint/2010/main" spd="slow" p14:dur="2000">
         <p159:morph option="byChar"/>
       </p:transition>
     </mc:Choice>
-    <mc:Fallback>
+    <mc:Fallback xmlns="">
       <p:transition spd="slow">
         <p:fade/>
       </p:transition>
@@ -1961,13 +1961,13 @@
   <p:clrMapOvr>
     <a:masterClrMapping/>
   </p:clrMapOvr>
-  <mc:AlternateContent xmlns:mc="http://schemas.openxmlformats.org/markup-compatibility/2006">
-    <mc:Choice xmlns:p159="http://schemas.microsoft.com/office/powerpoint/2015/09/main" Requires="p159">
+  <mc:AlternateContent xmlns:mc="http://schemas.openxmlformats.org/markup-compatibility/2006" xmlns:p159="http://schemas.microsoft.com/office/powerpoint/2015/09/main">
+    <mc:Choice Requires="p159">
       <p:transition xmlns:p14="http://schemas.microsoft.com/office/powerpoint/2010/main" spd="slow" p14:dur="2000">
         <p159:morph option="byChar"/>
       </p:transition>
     </mc:Choice>
-    <mc:Fallback>
+    <mc:Fallback xmlns="">
       <p:transition spd="slow">
         <p:fade/>
       </p:transition>
@@ -2415,13 +2415,13 @@
   <p:clrMapOvr>
     <a:masterClrMapping/>
   </p:clrMapOvr>
-  <mc:AlternateContent xmlns:mc="http://schemas.openxmlformats.org/markup-compatibility/2006">
-    <mc:Choice xmlns:p159="http://schemas.microsoft.com/office/powerpoint/2015/09/main" Requires="p159">
+  <mc:AlternateContent xmlns:mc="http://schemas.openxmlformats.org/markup-compatibility/2006" xmlns:p159="http://schemas.microsoft.com/office/powerpoint/2015/09/main">
+    <mc:Choice Requires="p159">
       <p:transition xmlns:p14="http://schemas.microsoft.com/office/powerpoint/2010/main" spd="slow" p14:dur="2000">
         <p159:morph option="byChar"/>
       </p:transition>
     </mc:Choice>
-    <mc:Fallback>
+    <mc:Fallback xmlns="">
       <p:transition spd="slow">
         <p:fade/>
       </p:transition>
@@ -2596,13 +2596,13 @@
   <p:clrMapOvr>
     <a:masterClrMapping/>
   </p:clrMapOvr>
-  <mc:AlternateContent xmlns:mc="http://schemas.openxmlformats.org/markup-compatibility/2006">
-    <mc:Choice xmlns:p159="http://schemas.microsoft.com/office/powerpoint/2015/09/main" Requires="p159">
+  <mc:AlternateContent xmlns:mc="http://schemas.openxmlformats.org/markup-compatibility/2006" xmlns:p159="http://schemas.microsoft.com/office/powerpoint/2015/09/main">
+    <mc:Choice Requires="p159">
       <p:transition xmlns:p14="http://schemas.microsoft.com/office/powerpoint/2010/main" spd="slow" p14:dur="2000">
         <p159:morph option="byChar"/>
       </p:transition>
     </mc:Choice>
-    <mc:Fallback>
+    <mc:Fallback xmlns="">
       <p:transition spd="slow">
         <p:fade/>
       </p:transition>
@@ -2748,13 +2748,13 @@
   <p:clrMapOvr>
     <a:masterClrMapping/>
   </p:clrMapOvr>
-  <mc:AlternateContent xmlns:mc="http://schemas.openxmlformats.org/markup-compatibility/2006">
-    <mc:Choice xmlns:p159="http://schemas.microsoft.com/office/powerpoint/2015/09/main" Requires="p159">
+  <mc:AlternateContent xmlns:mc="http://schemas.openxmlformats.org/markup-compatibility/2006" xmlns:p159="http://schemas.microsoft.com/office/powerpoint/2015/09/main">
+    <mc:Choice Requires="p159">
       <p:transition xmlns:p14="http://schemas.microsoft.com/office/powerpoint/2010/main" spd="slow" p14:dur="2000">
         <p159:morph option="byChar"/>
       </p:transition>
     </mc:Choice>
-    <mc:Fallback>
+    <mc:Fallback xmlns="">
       <p:transition spd="slow">
         <p:fade/>
       </p:transition>
@@ -3100,13 +3100,13 @@
   <p:clrMapOvr>
     <a:masterClrMapping/>
   </p:clrMapOvr>
-  <mc:AlternateContent xmlns:mc="http://schemas.openxmlformats.org/markup-compatibility/2006">
-    <mc:Choice xmlns:p159="http://schemas.microsoft.com/office/powerpoint/2015/09/main" Requires="p159">
+  <mc:AlternateContent xmlns:mc="http://schemas.openxmlformats.org/markup-compatibility/2006" xmlns:p159="http://schemas.microsoft.com/office/powerpoint/2015/09/main">
+    <mc:Choice Requires="p159">
       <p:transition xmlns:p14="http://schemas.microsoft.com/office/powerpoint/2010/main" spd="slow" p14:dur="2000">
         <p159:morph option="byChar"/>
       </p:transition>
     </mc:Choice>
-    <mc:Fallback>
+    <mc:Fallback xmlns="">
       <p:transition spd="slow">
         <p:fade/>
       </p:transition>
@@ -3428,13 +3428,13 @@
   <p:clrMapOvr>
     <a:masterClrMapping/>
   </p:clrMapOvr>
-  <mc:AlternateContent xmlns:mc="http://schemas.openxmlformats.org/markup-compatibility/2006">
-    <mc:Choice xmlns:p159="http://schemas.microsoft.com/office/powerpoint/2015/09/main" Requires="p159">
+  <mc:AlternateContent xmlns:mc="http://schemas.openxmlformats.org/markup-compatibility/2006" xmlns:p159="http://schemas.microsoft.com/office/powerpoint/2015/09/main">
+    <mc:Choice Requires="p159">
       <p:transition xmlns:p14="http://schemas.microsoft.com/office/powerpoint/2010/main" spd="slow" p14:dur="2000">
         <p159:morph option="byChar"/>
       </p:transition>
     </mc:Choice>
-    <mc:Fallback>
+    <mc:Fallback xmlns="">
       <p:transition spd="slow">
         <p:fade/>
       </p:transition>
@@ -3593,13 +3593,13 @@
     <p:sldLayoutId id="2147483658" r:id="rId10"/>
     <p:sldLayoutId id="2147483659" r:id="rId11"/>
   </p:sldLayoutIdLst>
-  <mc:AlternateContent xmlns:mc="http://schemas.openxmlformats.org/markup-compatibility/2006">
-    <mc:Choice xmlns:p159="http://schemas.microsoft.com/office/powerpoint/2015/09/main" Requires="p159">
+  <mc:AlternateContent xmlns:mc="http://schemas.openxmlformats.org/markup-compatibility/2006" xmlns:p159="http://schemas.microsoft.com/office/powerpoint/2015/09/main">
+    <mc:Choice Requires="p159">
       <p:transition xmlns:p14="http://schemas.microsoft.com/office/powerpoint/2010/main" spd="slow" p14:dur="2000">
         <p159:morph option="byChar"/>
       </p:transition>
     </mc:Choice>
-    <mc:Fallback>
+    <mc:Fallback xmlns="">
       <p:transition spd="slow">
         <p:fade/>
       </p:transition>
@@ -3987,13 +3987,13 @@
   <p:clrMapOvr>
     <a:masterClrMapping/>
   </p:clrMapOvr>
-  <mc:AlternateContent xmlns:mc="http://schemas.openxmlformats.org/markup-compatibility/2006">
-    <mc:Choice xmlns:p159="http://schemas.microsoft.com/office/powerpoint/2015/09/main" Requires="p159">
+  <mc:AlternateContent xmlns:mc="http://schemas.openxmlformats.org/markup-compatibility/2006" xmlns:p159="http://schemas.microsoft.com/office/powerpoint/2015/09/main">
+    <mc:Choice Requires="p159">
       <p:transition xmlns:p14="http://schemas.microsoft.com/office/powerpoint/2010/main" spd="slow" p14:dur="2000">
         <p159:morph option="byChar"/>
       </p:transition>
     </mc:Choice>
-    <mc:Fallback>
+    <mc:Fallback xmlns="">
       <p:transition spd="slow">
         <p:fade/>
       </p:transition>
@@ -4108,13 +4108,13 @@
   <p:clrMapOvr>
     <a:masterClrMapping/>
   </p:clrMapOvr>
-  <mc:AlternateContent xmlns:mc="http://schemas.openxmlformats.org/markup-compatibility/2006">
-    <mc:Choice xmlns:p159="http://schemas.microsoft.com/office/powerpoint/2015/09/main" Requires="p159">
+  <mc:AlternateContent xmlns:mc="http://schemas.openxmlformats.org/markup-compatibility/2006" xmlns:p159="http://schemas.microsoft.com/office/powerpoint/2015/09/main">
+    <mc:Choice Requires="p159">
       <p:transition xmlns:p14="http://schemas.microsoft.com/office/powerpoint/2010/main" spd="slow" p14:dur="2000">
         <p159:morph option="byChar"/>
       </p:transition>
     </mc:Choice>
-    <mc:Fallback>
+    <mc:Fallback xmlns="">
       <p:transition spd="slow">
         <p:fade/>
       </p:transition>
@@ -4357,13 +4357,13 @@
   <p:clrMapOvr>
     <a:masterClrMapping/>
   </p:clrMapOvr>
-  <mc:AlternateContent xmlns:mc="http://schemas.openxmlformats.org/markup-compatibility/2006">
-    <mc:Choice xmlns:p159="http://schemas.microsoft.com/office/powerpoint/2015/09/main" Requires="p159">
+  <mc:AlternateContent xmlns:mc="http://schemas.openxmlformats.org/markup-compatibility/2006" xmlns:p159="http://schemas.microsoft.com/office/powerpoint/2015/09/main">
+    <mc:Choice Requires="p159">
       <p:transition xmlns:p14="http://schemas.microsoft.com/office/powerpoint/2010/main" spd="slow" p14:dur="2000">
         <p159:morph option="byChar"/>
       </p:transition>
     </mc:Choice>
-    <mc:Fallback>
+    <mc:Fallback xmlns="">
       <p:transition spd="slow">
         <p:fade/>
       </p:transition>
@@ -4790,13 +4790,13 @@
   <p:clrMapOvr>
     <a:overrideClrMapping bg1="dk1" tx1="lt1" bg2="dk2" tx2="lt2" accent1="accent1" accent2="accent2" accent3="accent3" accent4="accent4" accent5="accent5" accent6="accent6" hlink="hlink" folHlink="folHlink"/>
   </p:clrMapOvr>
-  <mc:AlternateContent xmlns:mc="http://schemas.openxmlformats.org/markup-compatibility/2006">
-    <mc:Choice xmlns:p159="http://schemas.microsoft.com/office/powerpoint/2015/09/main" Requires="p159">
+  <mc:AlternateContent xmlns:mc="http://schemas.openxmlformats.org/markup-compatibility/2006" xmlns:p159="http://schemas.microsoft.com/office/powerpoint/2015/09/main">
+    <mc:Choice Requires="p159">
       <p:transition xmlns:p14="http://schemas.microsoft.com/office/powerpoint/2010/main" spd="slow" p14:dur="2000">
         <p159:morph option="byChar"/>
       </p:transition>
     </mc:Choice>
-    <mc:Fallback>
+    <mc:Fallback xmlns="">
       <p:transition spd="slow">
         <p:fade/>
       </p:transition>
@@ -5036,13 +5036,13 @@
   <p:clrMapOvr>
     <a:masterClrMapping/>
   </p:clrMapOvr>
-  <mc:AlternateContent xmlns:mc="http://schemas.openxmlformats.org/markup-compatibility/2006">
-    <mc:Choice xmlns:p159="http://schemas.microsoft.com/office/powerpoint/2015/09/main" Requires="p159">
+  <mc:AlternateContent xmlns:mc="http://schemas.openxmlformats.org/markup-compatibility/2006" xmlns:p159="http://schemas.microsoft.com/office/powerpoint/2015/09/main">
+    <mc:Choice Requires="p159">
       <p:transition xmlns:p14="http://schemas.microsoft.com/office/powerpoint/2010/main" spd="slow" p14:dur="2000">
         <p159:morph option="byChar"/>
       </p:transition>
     </mc:Choice>
-    <mc:Fallback>
+    <mc:Fallback xmlns="">
       <p:transition spd="slow">
         <p:fade/>
       </p:transition>
@@ -5230,13 +5230,13 @@
   <p:clrMapOvr>
     <a:masterClrMapping/>
   </p:clrMapOvr>
-  <mc:AlternateContent xmlns:mc="http://schemas.openxmlformats.org/markup-compatibility/2006">
-    <mc:Choice xmlns:p159="http://schemas.microsoft.com/office/powerpoint/2015/09/main" Requires="p159">
+  <mc:AlternateContent xmlns:mc="http://schemas.openxmlformats.org/markup-compatibility/2006" xmlns:p159="http://schemas.microsoft.com/office/powerpoint/2015/09/main">
+    <mc:Choice Requires="p159">
       <p:transition xmlns:p14="http://schemas.microsoft.com/office/powerpoint/2010/main" spd="slow" p14:dur="2000">
         <p159:morph option="byChar"/>
       </p:transition>
     </mc:Choice>
-    <mc:Fallback>
+    <mc:Fallback xmlns="">
       <p:transition spd="slow">
         <p:fade/>
       </p:transition>
@@ -5524,13 +5524,13 @@
   <p:clrMapOvr>
     <a:masterClrMapping/>
   </p:clrMapOvr>
-  <mc:AlternateContent xmlns:mc="http://schemas.openxmlformats.org/markup-compatibility/2006">
-    <mc:Choice xmlns:p159="http://schemas.microsoft.com/office/powerpoint/2015/09/main" Requires="p159">
+  <mc:AlternateContent xmlns:mc="http://schemas.openxmlformats.org/markup-compatibility/2006" xmlns:p159="http://schemas.microsoft.com/office/powerpoint/2015/09/main">
+    <mc:Choice Requires="p159">
       <p:transition xmlns:p14="http://schemas.microsoft.com/office/powerpoint/2010/main" spd="slow" p14:dur="2000">
         <p159:morph option="byChar"/>
       </p:transition>
     </mc:Choice>
-    <mc:Fallback>
+    <mc:Fallback xmlns="">
       <p:transition spd="slow">
         <p:fade/>
       </p:transition>
@@ -5818,13 +5818,13 @@
   <p:clrMapOvr>
     <a:masterClrMapping/>
   </p:clrMapOvr>
-  <mc:AlternateContent xmlns:mc="http://schemas.openxmlformats.org/markup-compatibility/2006">
-    <mc:Choice xmlns:p159="http://schemas.microsoft.com/office/powerpoint/2015/09/main" Requires="p159">
+  <mc:AlternateContent xmlns:mc="http://schemas.openxmlformats.org/markup-compatibility/2006" xmlns:p159="http://schemas.microsoft.com/office/powerpoint/2015/09/main">
+    <mc:Choice Requires="p159">
       <p:transition xmlns:p14="http://schemas.microsoft.com/office/powerpoint/2010/main" spd="slow" p14:dur="2000">
         <p159:morph option="byChar"/>
       </p:transition>
     </mc:Choice>
-    <mc:Fallback>
+    <mc:Fallback xmlns="">
       <p:transition spd="slow">
         <p:fade/>
       </p:transition>
@@ -6078,13 +6078,13 @@
   <p:clrMapOvr>
     <a:masterClrMapping/>
   </p:clrMapOvr>
-  <mc:AlternateContent xmlns:mc="http://schemas.openxmlformats.org/markup-compatibility/2006">
-    <mc:Choice xmlns:p159="http://schemas.microsoft.com/office/powerpoint/2015/09/main" Requires="p159">
+  <mc:AlternateContent xmlns:mc="http://schemas.openxmlformats.org/markup-compatibility/2006" xmlns:p159="http://schemas.microsoft.com/office/powerpoint/2015/09/main">
+    <mc:Choice Requires="p159">
       <p:transition xmlns:p14="http://schemas.microsoft.com/office/powerpoint/2010/main" spd="slow" p14:dur="2000">
         <p159:morph option="byChar"/>
       </p:transition>
     </mc:Choice>
-    <mc:Fallback>
+    <mc:Fallback xmlns="">
       <p:transition spd="slow">
         <p:fade/>
       </p:transition>
@@ -6184,13 +6184,13 @@
   <p:clrMapOvr>
     <a:masterClrMapping/>
   </p:clrMapOvr>
-  <mc:AlternateContent xmlns:mc="http://schemas.openxmlformats.org/markup-compatibility/2006">
-    <mc:Choice xmlns:p159="http://schemas.microsoft.com/office/powerpoint/2015/09/main" Requires="p159">
+  <mc:AlternateContent xmlns:mc="http://schemas.openxmlformats.org/markup-compatibility/2006" xmlns:p159="http://schemas.microsoft.com/office/powerpoint/2015/09/main">
+    <mc:Choice Requires="p159">
       <p:transition xmlns:p14="http://schemas.microsoft.com/office/powerpoint/2010/main" spd="slow" p14:dur="2000">
         <p159:morph option="byChar"/>
       </p:transition>
     </mc:Choice>
-    <mc:Fallback>
+    <mc:Fallback xmlns="">
       <p:transition spd="slow">
         <p:fade/>
       </p:transition>
@@ -6354,13 +6354,13 @@
   <p:clrMapOvr>
     <a:masterClrMapping/>
   </p:clrMapOvr>
-  <mc:AlternateContent xmlns:mc="http://schemas.openxmlformats.org/markup-compatibility/2006">
-    <mc:Choice xmlns:p159="http://schemas.microsoft.com/office/powerpoint/2015/09/main" Requires="p159">
+  <mc:AlternateContent xmlns:mc="http://schemas.openxmlformats.org/markup-compatibility/2006" xmlns:p159="http://schemas.microsoft.com/office/powerpoint/2015/09/main">
+    <mc:Choice Requires="p159">
       <p:transition xmlns:p14="http://schemas.microsoft.com/office/powerpoint/2010/main" spd="slow" p14:dur="2000">
         <p159:morph option="byChar"/>
       </p:transition>
     </mc:Choice>
-    <mc:Fallback>
+    <mc:Fallback xmlns="">
       <p:transition spd="slow">
         <p:fade/>
       </p:transition>
@@ -6452,13 +6452,13 @@
   <p:clrMapOvr>
     <a:masterClrMapping/>
   </p:clrMapOvr>
-  <mc:AlternateContent xmlns:mc="http://schemas.openxmlformats.org/markup-compatibility/2006">
-    <mc:Choice xmlns:p159="http://schemas.microsoft.com/office/powerpoint/2015/09/main" Requires="p159">
+  <mc:AlternateContent xmlns:mc="http://schemas.openxmlformats.org/markup-compatibility/2006" xmlns:p159="http://schemas.microsoft.com/office/powerpoint/2015/09/main">
+    <mc:Choice Requires="p159">
       <p:transition xmlns:p14="http://schemas.microsoft.com/office/powerpoint/2010/main" spd="slow" p14:dur="2000">
         <p159:morph option="byChar"/>
       </p:transition>
     </mc:Choice>
-    <mc:Fallback>
+    <mc:Fallback xmlns="">
       <p:transition spd="slow">
         <p:fade/>
       </p:transition>

--- a/DOKUMENTACIJA UML/OORP-8_PredložakPrezentacije.pptx
+++ b/DOKUMENTACIJA UML/OORP-8_PredložakPrezentacije.pptx
@@ -5,7 +5,7 @@
     <p:sldMasterId id="2147483648" r:id="rId1"/>
   </p:sldMasterIdLst>
   <p:notesMasterIdLst>
-    <p:notesMasterId r:id="rId14"/>
+    <p:notesMasterId r:id="rId16"/>
   </p:notesMasterIdLst>
   <p:sldIdLst>
     <p:sldId id="256" r:id="rId2"/>
@@ -15,11 +15,13 @@
     <p:sldId id="275" r:id="rId6"/>
     <p:sldId id="270" r:id="rId7"/>
     <p:sldId id="264" r:id="rId8"/>
-    <p:sldId id="265" r:id="rId9"/>
-    <p:sldId id="271" r:id="rId10"/>
-    <p:sldId id="262" r:id="rId11"/>
-    <p:sldId id="260" r:id="rId12"/>
-    <p:sldId id="267" r:id="rId13"/>
+    <p:sldId id="276" r:id="rId9"/>
+    <p:sldId id="277" r:id="rId10"/>
+    <p:sldId id="265" r:id="rId11"/>
+    <p:sldId id="271" r:id="rId12"/>
+    <p:sldId id="262" r:id="rId13"/>
+    <p:sldId id="260" r:id="rId14"/>
+    <p:sldId id="267" r:id="rId15"/>
   </p:sldIdLst>
   <p:sldSz cx="12192000" cy="6858000"/>
   <p:notesSz cx="6858000" cy="9144000"/>
@@ -208,7 +210,7 @@
           <a:p>
             <a:fld id="{2F2FD002-21C3-4B9D-AF53-98BAD8FD75A2}" type="datetimeFigureOut">
               <a:rPr lang="hr-HR" smtClean="0"/>
-              <a:t>19.4.2024.</a:t>
+              <a:t>20.4.2024.</a:t>
             </a:fld>
             <a:endParaRPr lang="hr-HR"/>
           </a:p>
@@ -633,7 +635,7 @@
           <a:p>
             <a:fld id="{0378C55E-FD2D-429E-B227-9C3325B651B1}" type="datetime1">
               <a:rPr lang="sr-Latn-RS" smtClean="0"/>
-              <a:t>19.4.2024.</a:t>
+              <a:t>20.4.2024.</a:t>
             </a:fld>
             <a:endParaRPr lang="hr-HR"/>
           </a:p>
@@ -872,7 +874,7 @@
           <a:p>
             <a:fld id="{1CB14EE8-2E7A-4249-AC22-450B94D22710}" type="datetime1">
               <a:rPr lang="sr-Latn-RS" smtClean="0"/>
-              <a:t>19.4.2024.</a:t>
+              <a:t>20.4.2024.</a:t>
             </a:fld>
             <a:endParaRPr lang="hr-HR"/>
           </a:p>
@@ -1121,7 +1123,7 @@
           <a:p>
             <a:fld id="{23ED73AF-CE27-482E-B107-8CC3EC2ED0D5}" type="datetime1">
               <a:rPr lang="sr-Latn-RS" smtClean="0"/>
-              <a:t>19.4.2024.</a:t>
+              <a:t>20.4.2024.</a:t>
             </a:fld>
             <a:endParaRPr lang="hr-HR"/>
           </a:p>
@@ -1565,7 +1567,7 @@
           <a:p>
             <a:fld id="{250B83AE-C45E-4DA6-B750-B8B7FB4A32A9}" type="datetime1">
               <a:rPr lang="sr-Latn-RS" smtClean="0"/>
-              <a:t>19.4.2024.</a:t>
+              <a:t>20.4.2024.</a:t>
             </a:fld>
             <a:endParaRPr lang="hr-HR"/>
           </a:p>
@@ -1872,7 +1874,7 @@
           <a:p>
             <a:fld id="{64BE6959-5B89-426D-9BE7-5ECB6C866540}" type="datetime1">
               <a:rPr lang="sr-Latn-RS" smtClean="0"/>
-              <a:t>19.4.2024.</a:t>
+              <a:t>20.4.2024.</a:t>
             </a:fld>
             <a:endParaRPr lang="hr-HR"/>
           </a:p>
@@ -2326,7 +2328,7 @@
           <a:p>
             <a:fld id="{4ECA63F0-641D-42DF-B65E-DDA2ABCAD06B}" type="datetime1">
               <a:rPr lang="sr-Latn-RS" smtClean="0"/>
-              <a:t>19.4.2024.</a:t>
+              <a:t>20.4.2024.</a:t>
             </a:fld>
             <a:endParaRPr lang="hr-HR"/>
           </a:p>
@@ -2507,7 +2509,7 @@
           <a:p>
             <a:fld id="{33E13250-1100-4B85-BD5F-2A81C62CA960}" type="datetime1">
               <a:rPr lang="sr-Latn-RS" smtClean="0"/>
-              <a:t>19.4.2024.</a:t>
+              <a:t>20.4.2024.</a:t>
             </a:fld>
             <a:endParaRPr lang="hr-HR"/>
           </a:p>
@@ -2659,7 +2661,7 @@
           <a:p>
             <a:fld id="{A28D1CF0-BA1F-44F5-8007-60CEBF8F76E8}" type="datetime1">
               <a:rPr lang="sr-Latn-RS" smtClean="0"/>
-              <a:t>19.4.2024.</a:t>
+              <a:t>20.4.2024.</a:t>
             </a:fld>
             <a:endParaRPr lang="hr-HR"/>
           </a:p>
@@ -3011,7 +3013,7 @@
           <a:p>
             <a:fld id="{BFDD28F3-67AB-46E5-AD8F-085253AFEC45}" type="datetime1">
               <a:rPr lang="sr-Latn-RS" smtClean="0"/>
-              <a:t>19.4.2024.</a:t>
+              <a:t>20.4.2024.</a:t>
             </a:fld>
             <a:endParaRPr lang="hr-HR"/>
           </a:p>
@@ -3339,7 +3341,7 @@
           <a:p>
             <a:fld id="{87DD07CB-BD98-48CF-A7E9-A877A3C653AB}" type="datetime1">
               <a:rPr lang="sr-Latn-RS" smtClean="0"/>
-              <a:t>19.4.2024.</a:t>
+              <a:t>20.4.2024.</a:t>
             </a:fld>
             <a:endParaRPr lang="hr-HR"/>
           </a:p>
@@ -4021,10 +4023,70 @@
       </p:grpSpPr>
       <p:sp>
         <p:nvSpPr>
-          <p:cNvPr id="2" name="Title 1">
-            <a:extLst>
-              <a:ext uri="{FF2B5EF4-FFF2-40B4-BE49-F238E27FC236}">
-                <a16:creationId xmlns:a16="http://schemas.microsoft.com/office/drawing/2014/main" id="{5845D1D0-95A2-40A2-82AC-44659415F904}"/>
+          <p:cNvPr id="8" name="Pravokutnik 7">
+            <a:extLst>
+              <a:ext uri="{FF2B5EF4-FFF2-40B4-BE49-F238E27FC236}">
+                <a16:creationId xmlns:a16="http://schemas.microsoft.com/office/drawing/2014/main" id="{E864E5D4-CF0A-D7EC-67C3-A3F7A838CD31}"/>
+              </a:ext>
+            </a:extLst>
+          </p:cNvPr>
+          <p:cNvSpPr/>
+          <p:nvPr/>
+        </p:nvSpPr>
+        <p:spPr>
+          <a:xfrm>
+            <a:off x="0" y="0"/>
+            <a:ext cx="12192000" cy="983411"/>
+          </a:xfrm>
+          <a:prstGeom prst="rect">
+            <a:avLst/>
+          </a:prstGeom>
+          <a:solidFill>
+            <a:schemeClr val="tx1">
+              <a:lumMod val="65000"/>
+              <a:lumOff val="35000"/>
+            </a:schemeClr>
+          </a:solidFill>
+          <a:ln>
+            <a:solidFill>
+              <a:schemeClr val="tx1">
+                <a:lumMod val="85000"/>
+                <a:lumOff val="15000"/>
+              </a:schemeClr>
+            </a:solidFill>
+          </a:ln>
+        </p:spPr>
+        <p:style>
+          <a:lnRef idx="2">
+            <a:schemeClr val="accent1">
+              <a:shade val="15000"/>
+            </a:schemeClr>
+          </a:lnRef>
+          <a:fillRef idx="1">
+            <a:schemeClr val="accent1"/>
+          </a:fillRef>
+          <a:effectRef idx="0">
+            <a:schemeClr val="accent1"/>
+          </a:effectRef>
+          <a:fontRef idx="minor">
+            <a:schemeClr val="lt1"/>
+          </a:fontRef>
+        </p:style>
+        <p:txBody>
+          <a:bodyPr rtlCol="0" anchor="ctr"/>
+          <a:lstStyle/>
+          <a:p>
+            <a:pPr algn="ctr"/>
+            <a:endParaRPr lang="hr-HR"/>
+          </a:p>
+        </p:txBody>
+      </p:sp>
+      <p:sp>
+        <p:nvSpPr>
+          <p:cNvPr id="3" name="Title 2">
+            <a:extLst>
+              <a:ext uri="{FF2B5EF4-FFF2-40B4-BE49-F238E27FC236}">
+                <a16:creationId xmlns:a16="http://schemas.microsoft.com/office/drawing/2014/main" id="{A0A5EC78-15EE-442B-8DF0-BF271B2A12CB}"/>
               </a:ext>
             </a:extLst>
           </p:cNvPr>
@@ -4035,73 +4097,62 @@
             <p:ph type="title"/>
           </p:nvPr>
         </p:nvSpPr>
-        <p:spPr/>
+        <p:spPr>
+          <a:xfrm>
+            <a:off x="0" y="1"/>
+            <a:ext cx="11353800" cy="1000663"/>
+          </a:xfrm>
+        </p:spPr>
         <p:txBody>
           <a:bodyPr/>
           <a:lstStyle/>
           <a:p>
-            <a:r>
-              <a:rPr lang="hr-HR" dirty="0"/>
-              <a:t>Načela dobrog oblikovanja</a:t>
-            </a:r>
-          </a:p>
-        </p:txBody>
-      </p:sp>
-      <p:sp>
-        <p:nvSpPr>
-          <p:cNvPr id="3" name="Content Placeholder 2">
-            <a:extLst>
-              <a:ext uri="{FF2B5EF4-FFF2-40B4-BE49-F238E27FC236}">
-                <a16:creationId xmlns:a16="http://schemas.microsoft.com/office/drawing/2014/main" id="{284C3ADB-43D5-4F5D-96F5-BAE983F6C7D1}"/>
-              </a:ext>
-            </a:extLst>
-          </p:cNvPr>
-          <p:cNvSpPr>
-            <a:spLocks noGrp="1"/>
-          </p:cNvSpPr>
-          <p:nvPr>
-            <p:ph idx="1"/>
-          </p:nvPr>
-        </p:nvSpPr>
-        <p:spPr/>
-        <p:txBody>
-          <a:bodyPr/>
-          <a:lstStyle/>
-          <a:p>
-            <a:r>
-              <a:rPr lang="hr-HR" dirty="0"/>
-              <a:t>Mogu li se u vašoj implementaciji prepoznati neka od SOLID načela dobrog oblikovanja? (prema e-skripti „Procesi programskog inženjerstva”, str. 102-108)</a:t>
-            </a:r>
-          </a:p>
-          <a:p>
-            <a:r>
-              <a:rPr lang="hr-HR" dirty="0"/>
-              <a:t>Ako se može takvo nešto naći izdvojiti primjere:</a:t>
-            </a:r>
-          </a:p>
-          <a:p>
-            <a:pPr lvl="1"/>
-            <a:r>
-              <a:rPr lang="hr-HR" dirty="0"/>
-              <a:t>isječak koda</a:t>
-            </a:r>
-          </a:p>
-          <a:p>
-            <a:pPr lvl="1"/>
-            <a:r>
-              <a:rPr lang="hr-HR" dirty="0"/>
-              <a:t>u kojem se načelu radi?</a:t>
-            </a:r>
-          </a:p>
-          <a:p>
-            <a:endParaRPr lang="hr-HR" dirty="0"/>
-          </a:p>
-        </p:txBody>
-      </p:sp>
+            <a:pPr algn="ctr"/>
+            <a:r>
+              <a:rPr lang="hr-HR" dirty="0">
+                <a:solidFill>
+                  <a:schemeClr val="bg1"/>
+                </a:solidFill>
+              </a:rPr>
+              <a:t>Dijagram komponenti</a:t>
+            </a:r>
+          </a:p>
+        </p:txBody>
+      </p:sp>
+      <p:pic>
+        <p:nvPicPr>
+          <p:cNvPr id="6" name="Picture 1">
+            <a:extLst>
+              <a:ext uri="{FF2B5EF4-FFF2-40B4-BE49-F238E27FC236}">
+                <a16:creationId xmlns:a16="http://schemas.microsoft.com/office/drawing/2014/main" id="{5B974CDE-3F0C-EA0D-EBA6-EB55A5592F5D}"/>
+              </a:ext>
+            </a:extLst>
+          </p:cNvPr>
+          <p:cNvPicPr>
+            <a:picLocks noChangeAspect="1"/>
+          </p:cNvPicPr>
+          <p:nvPr/>
+        </p:nvPicPr>
+        <p:blipFill>
+          <a:blip r:embed="rId2"/>
+          <a:stretch>
+            <a:fillRect/>
+          </a:stretch>
+        </p:blipFill>
+        <p:spPr>
+          <a:xfrm>
+            <a:off x="1925717" y="1000666"/>
+            <a:ext cx="8340565" cy="5857334"/>
+          </a:xfrm>
+          <a:prstGeom prst="rect">
+            <a:avLst/>
+          </a:prstGeom>
+        </p:spPr>
+      </p:pic>
     </p:spTree>
     <p:extLst>
       <p:ext uri="{BB962C8B-B14F-4D97-AF65-F5344CB8AC3E}">
-        <p14:creationId xmlns:p14="http://schemas.microsoft.com/office/powerpoint/2010/main" val="42188827"/>
+        <p14:creationId xmlns:p14="http://schemas.microsoft.com/office/powerpoint/2010/main" val="1968508340"/>
       </p:ext>
     </p:extLst>
   </p:cSld>
@@ -4142,6 +4193,225 @@
       </p:grpSpPr>
       <p:sp>
         <p:nvSpPr>
+          <p:cNvPr id="3" name="Title 2">
+            <a:extLst>
+              <a:ext uri="{FF2B5EF4-FFF2-40B4-BE49-F238E27FC236}">
+                <a16:creationId xmlns:a16="http://schemas.microsoft.com/office/drawing/2014/main" id="{A0A5EC78-15EE-442B-8DF0-BF271B2A12CB}"/>
+              </a:ext>
+            </a:extLst>
+          </p:cNvPr>
+          <p:cNvSpPr>
+            <a:spLocks noGrp="1"/>
+          </p:cNvSpPr>
+          <p:nvPr>
+            <p:ph type="title"/>
+          </p:nvPr>
+        </p:nvSpPr>
+        <p:spPr/>
+        <p:txBody>
+          <a:bodyPr/>
+          <a:lstStyle/>
+          <a:p>
+            <a:r>
+              <a:rPr lang="hr-HR" dirty="0"/>
+              <a:t>Dijagram razmještaja</a:t>
+            </a:r>
+          </a:p>
+        </p:txBody>
+      </p:sp>
+      <p:sp>
+        <p:nvSpPr>
+          <p:cNvPr id="4" name="Content Placeholder 3">
+            <a:extLst>
+              <a:ext uri="{FF2B5EF4-FFF2-40B4-BE49-F238E27FC236}">
+                <a16:creationId xmlns:a16="http://schemas.microsoft.com/office/drawing/2014/main" id="{2FB5EF2B-2FD3-43C9-AB33-70EFE71CDB7A}"/>
+              </a:ext>
+            </a:extLst>
+          </p:cNvPr>
+          <p:cNvSpPr>
+            <a:spLocks noGrp="1"/>
+          </p:cNvSpPr>
+          <p:nvPr>
+            <p:ph idx="1"/>
+          </p:nvPr>
+        </p:nvSpPr>
+        <p:spPr/>
+        <p:txBody>
+          <a:bodyPr/>
+          <a:lstStyle/>
+          <a:p>
+            <a:r>
+              <a:rPr lang="hr-HR" dirty="0"/>
+              <a:t>Izdvojiti jedan koji najbolje opisuje implementaciju i razmještaj vaše aplikacije</a:t>
+            </a:r>
+          </a:p>
+        </p:txBody>
+      </p:sp>
+    </p:spTree>
+    <p:extLst>
+      <p:ext uri="{BB962C8B-B14F-4D97-AF65-F5344CB8AC3E}">
+        <p14:creationId xmlns:p14="http://schemas.microsoft.com/office/powerpoint/2010/main" val="2057453987"/>
+      </p:ext>
+    </p:extLst>
+  </p:cSld>
+  <p:clrMapOvr>
+    <a:masterClrMapping/>
+  </p:clrMapOvr>
+  <mc:AlternateContent xmlns:mc="http://schemas.openxmlformats.org/markup-compatibility/2006" xmlns:p159="http://schemas.microsoft.com/office/powerpoint/2015/09/main">
+    <mc:Choice Requires="p159">
+      <p:transition xmlns:p14="http://schemas.microsoft.com/office/powerpoint/2010/main" spd="slow" p14:dur="2000">
+        <p159:morph option="byChar"/>
+      </p:transition>
+    </mc:Choice>
+    <mc:Fallback xmlns="">
+      <p:transition spd="slow">
+        <p:fade/>
+      </p:transition>
+    </mc:Fallback>
+  </mc:AlternateContent>
+</p:sld>
+</file>
+
+<file path=ppt/slides/slide12.xml><?xml version="1.0" encoding="utf-8"?>
+<p:sld xmlns:a="http://schemas.openxmlformats.org/drawingml/2006/main" xmlns:r="http://schemas.openxmlformats.org/officeDocument/2006/relationships" xmlns:p="http://schemas.openxmlformats.org/presentationml/2006/main">
+  <p:cSld>
+    <p:spTree>
+      <p:nvGrpSpPr>
+        <p:cNvPr id="1" name=""/>
+        <p:cNvGrpSpPr/>
+        <p:nvPr/>
+      </p:nvGrpSpPr>
+      <p:grpSpPr>
+        <a:xfrm>
+          <a:off x="0" y="0"/>
+          <a:ext cx="0" cy="0"/>
+          <a:chOff x="0" y="0"/>
+          <a:chExt cx="0" cy="0"/>
+        </a:xfrm>
+      </p:grpSpPr>
+      <p:sp>
+        <p:nvSpPr>
+          <p:cNvPr id="2" name="Title 1">
+            <a:extLst>
+              <a:ext uri="{FF2B5EF4-FFF2-40B4-BE49-F238E27FC236}">
+                <a16:creationId xmlns:a16="http://schemas.microsoft.com/office/drawing/2014/main" id="{5845D1D0-95A2-40A2-82AC-44659415F904}"/>
+              </a:ext>
+            </a:extLst>
+          </p:cNvPr>
+          <p:cNvSpPr>
+            <a:spLocks noGrp="1"/>
+          </p:cNvSpPr>
+          <p:nvPr>
+            <p:ph type="title"/>
+          </p:nvPr>
+        </p:nvSpPr>
+        <p:spPr/>
+        <p:txBody>
+          <a:bodyPr/>
+          <a:lstStyle/>
+          <a:p>
+            <a:r>
+              <a:rPr lang="hr-HR" dirty="0"/>
+              <a:t>Načela dobrog oblikovanja</a:t>
+            </a:r>
+          </a:p>
+        </p:txBody>
+      </p:sp>
+      <p:sp>
+        <p:nvSpPr>
+          <p:cNvPr id="3" name="Content Placeholder 2">
+            <a:extLst>
+              <a:ext uri="{FF2B5EF4-FFF2-40B4-BE49-F238E27FC236}">
+                <a16:creationId xmlns:a16="http://schemas.microsoft.com/office/drawing/2014/main" id="{284C3ADB-43D5-4F5D-96F5-BAE983F6C7D1}"/>
+              </a:ext>
+            </a:extLst>
+          </p:cNvPr>
+          <p:cNvSpPr>
+            <a:spLocks noGrp="1"/>
+          </p:cNvSpPr>
+          <p:nvPr>
+            <p:ph idx="1"/>
+          </p:nvPr>
+        </p:nvSpPr>
+        <p:spPr/>
+        <p:txBody>
+          <a:bodyPr/>
+          <a:lstStyle/>
+          <a:p>
+            <a:r>
+              <a:rPr lang="hr-HR" dirty="0"/>
+              <a:t>Mogu li se u vašoj implementaciji prepoznati neka od SOLID načela dobrog oblikovanja? (prema e-skripti „Procesi programskog inženjerstva”, str. 102-108)</a:t>
+            </a:r>
+          </a:p>
+          <a:p>
+            <a:r>
+              <a:rPr lang="hr-HR" dirty="0"/>
+              <a:t>Ako se može takvo nešto naći izdvojiti primjere:</a:t>
+            </a:r>
+          </a:p>
+          <a:p>
+            <a:pPr lvl="1"/>
+            <a:r>
+              <a:rPr lang="hr-HR" dirty="0"/>
+              <a:t>isječak koda</a:t>
+            </a:r>
+          </a:p>
+          <a:p>
+            <a:pPr lvl="1"/>
+            <a:r>
+              <a:rPr lang="hr-HR" dirty="0"/>
+              <a:t>u kojem se načelu radi?</a:t>
+            </a:r>
+          </a:p>
+          <a:p>
+            <a:endParaRPr lang="hr-HR" dirty="0"/>
+          </a:p>
+        </p:txBody>
+      </p:sp>
+    </p:spTree>
+    <p:extLst>
+      <p:ext uri="{BB962C8B-B14F-4D97-AF65-F5344CB8AC3E}">
+        <p14:creationId xmlns:p14="http://schemas.microsoft.com/office/powerpoint/2010/main" val="42188827"/>
+      </p:ext>
+    </p:extLst>
+  </p:cSld>
+  <p:clrMapOvr>
+    <a:masterClrMapping/>
+  </p:clrMapOvr>
+  <mc:AlternateContent xmlns:mc="http://schemas.openxmlformats.org/markup-compatibility/2006" xmlns:p159="http://schemas.microsoft.com/office/powerpoint/2015/09/main">
+    <mc:Choice Requires="p159">
+      <p:transition xmlns:p14="http://schemas.microsoft.com/office/powerpoint/2010/main" spd="slow" p14:dur="2000">
+        <p159:morph option="byChar"/>
+      </p:transition>
+    </mc:Choice>
+    <mc:Fallback xmlns="">
+      <p:transition spd="slow">
+        <p:fade/>
+      </p:transition>
+    </mc:Fallback>
+  </mc:AlternateContent>
+</p:sld>
+</file>
+
+<file path=ppt/slides/slide13.xml><?xml version="1.0" encoding="utf-8"?>
+<p:sld xmlns:a="http://schemas.openxmlformats.org/drawingml/2006/main" xmlns:r="http://schemas.openxmlformats.org/officeDocument/2006/relationships" xmlns:p="http://schemas.openxmlformats.org/presentationml/2006/main">
+  <p:cSld>
+    <p:spTree>
+      <p:nvGrpSpPr>
+        <p:cNvPr id="1" name=""/>
+        <p:cNvGrpSpPr/>
+        <p:nvPr/>
+      </p:nvGrpSpPr>
+      <p:grpSpPr>
+        <a:xfrm>
+          <a:off x="0" y="0"/>
+          <a:ext cx="0" cy="0"/>
+          <a:chOff x="0" y="0"/>
+          <a:chExt cx="0" cy="0"/>
+        </a:xfrm>
+      </p:grpSpPr>
+      <p:sp>
+        <p:nvSpPr>
           <p:cNvPr id="2" name="Title 1">
             <a:extLst>
               <a:ext uri="{FF2B5EF4-FFF2-40B4-BE49-F238E27FC236}">
@@ -4372,7 +4642,7 @@
 </p:sld>
 </file>
 
-<file path=ppt/slides/slide12.xml><?xml version="1.0" encoding="utf-8"?>
+<file path=ppt/slides/slide14.xml><?xml version="1.0" encoding="utf-8"?>
 <p:sld xmlns:a="http://schemas.openxmlformats.org/drawingml/2006/main" xmlns:r="http://schemas.openxmlformats.org/officeDocument/2006/relationships" xmlns:p="http://schemas.openxmlformats.org/presentationml/2006/main">
   <p:cSld>
     <p:bg>
@@ -6138,42 +6408,38 @@
           </a:p>
         </p:txBody>
       </p:sp>
-      <p:sp>
-        <p:nvSpPr>
-          <p:cNvPr id="4" name="Content Placeholder 3">
-            <a:extLst>
-              <a:ext uri="{FF2B5EF4-FFF2-40B4-BE49-F238E27FC236}">
-                <a16:creationId xmlns:a16="http://schemas.microsoft.com/office/drawing/2014/main" id="{2FB5EF2B-2FD3-43C9-AB33-70EFE71CDB7A}"/>
-              </a:ext>
-            </a:extLst>
-          </p:cNvPr>
-          <p:cNvSpPr>
-            <a:spLocks noGrp="1"/>
-          </p:cNvSpPr>
+      <p:pic>
+        <p:nvPicPr>
+          <p:cNvPr id="2" name="Content Placeholder 1">
+            <a:extLst>
+              <a:ext uri="{FF2B5EF4-FFF2-40B4-BE49-F238E27FC236}">
+                <a16:creationId xmlns:a16="http://schemas.microsoft.com/office/drawing/2014/main" id="{8FF7DF0D-4AB8-56FC-16F7-6DB081638259}"/>
+              </a:ext>
+            </a:extLst>
+          </p:cNvPr>
+          <p:cNvPicPr>
+            <a:picLocks noGrp="1" noChangeAspect="1"/>
+          </p:cNvPicPr>
           <p:nvPr>
             <p:ph idx="1"/>
           </p:nvPr>
-        </p:nvSpPr>
-        <p:spPr/>
-        <p:txBody>
-          <a:bodyPr/>
-          <a:lstStyle/>
-          <a:p>
-            <a:r>
-              <a:rPr lang="hr-HR" dirty="0"/>
-              <a:t>Izdvojiti jedan koji najbolje opisuje arhitekturu/</a:t>
-            </a:r>
-            <a:r>
-              <a:rPr lang="hr-HR" dirty="0" err="1"/>
-              <a:t>implemetaciju</a:t>
-            </a:r>
-            <a:r>
-              <a:rPr lang="hr-HR" dirty="0"/>
-              <a:t> vaše aplikacije</a:t>
-            </a:r>
-          </a:p>
-        </p:txBody>
-      </p:sp>
+        </p:nvPicPr>
+        <p:blipFill>
+          <a:blip r:embed="rId2"/>
+          <a:stretch>
+            <a:fillRect/>
+          </a:stretch>
+        </p:blipFill>
+        <p:spPr>
+          <a:xfrm>
+            <a:off x="838200" y="2273766"/>
+            <a:ext cx="10839596" cy="3518340"/>
+          </a:xfrm>
+          <a:prstGeom prst="rect">
+            <a:avLst/>
+          </a:prstGeom>
+        </p:spPr>
+      </p:pic>
     </p:spTree>
     <p:extLst>
       <p:ext uri="{BB962C8B-B14F-4D97-AF65-F5344CB8AC3E}">
@@ -6218,66 +6484,6 @@
       </p:grpSpPr>
       <p:sp>
         <p:nvSpPr>
-          <p:cNvPr id="8" name="Pravokutnik 7">
-            <a:extLst>
-              <a:ext uri="{FF2B5EF4-FFF2-40B4-BE49-F238E27FC236}">
-                <a16:creationId xmlns:a16="http://schemas.microsoft.com/office/drawing/2014/main" id="{E864E5D4-CF0A-D7EC-67C3-A3F7A838CD31}"/>
-              </a:ext>
-            </a:extLst>
-          </p:cNvPr>
-          <p:cNvSpPr/>
-          <p:nvPr/>
-        </p:nvSpPr>
-        <p:spPr>
-          <a:xfrm>
-            <a:off x="0" y="0"/>
-            <a:ext cx="12192000" cy="983411"/>
-          </a:xfrm>
-          <a:prstGeom prst="rect">
-            <a:avLst/>
-          </a:prstGeom>
-          <a:solidFill>
-            <a:schemeClr val="tx1">
-              <a:lumMod val="65000"/>
-              <a:lumOff val="35000"/>
-            </a:schemeClr>
-          </a:solidFill>
-          <a:ln>
-            <a:solidFill>
-              <a:schemeClr val="tx1">
-                <a:lumMod val="85000"/>
-                <a:lumOff val="15000"/>
-              </a:schemeClr>
-            </a:solidFill>
-          </a:ln>
-        </p:spPr>
-        <p:style>
-          <a:lnRef idx="2">
-            <a:schemeClr val="accent1">
-              <a:shade val="15000"/>
-            </a:schemeClr>
-          </a:lnRef>
-          <a:fillRef idx="1">
-            <a:schemeClr val="accent1"/>
-          </a:fillRef>
-          <a:effectRef idx="0">
-            <a:schemeClr val="accent1"/>
-          </a:effectRef>
-          <a:fontRef idx="minor">
-            <a:schemeClr val="lt1"/>
-          </a:fontRef>
-        </p:style>
-        <p:txBody>
-          <a:bodyPr rtlCol="0" anchor="ctr"/>
-          <a:lstStyle/>
-          <a:p>
-            <a:pPr algn="ctr"/>
-            <a:endParaRPr lang="hr-HR"/>
-          </a:p>
-        </p:txBody>
-      </p:sp>
-      <p:sp>
-        <p:nvSpPr>
           <p:cNvPr id="3" name="Title 2">
             <a:extLst>
               <a:ext uri="{FF2B5EF4-FFF2-40B4-BE49-F238E27FC236}">
@@ -6292,41 +6498,33 @@
             <p:ph type="title"/>
           </p:nvPr>
         </p:nvSpPr>
-        <p:spPr>
-          <a:xfrm>
-            <a:off x="0" y="1"/>
-            <a:ext cx="11353800" cy="1000663"/>
-          </a:xfrm>
-        </p:spPr>
+        <p:spPr/>
         <p:txBody>
           <a:bodyPr/>
           <a:lstStyle/>
           <a:p>
-            <a:pPr algn="ctr"/>
-            <a:r>
-              <a:rPr lang="hr-HR" dirty="0">
-                <a:solidFill>
-                  <a:schemeClr val="bg1"/>
-                </a:solidFill>
-              </a:rPr>
-              <a:t>Dijagram komponenti</a:t>
+            <a:r>
+              <a:rPr lang="hr-HR" dirty="0"/>
+              <a:t>Dijagram razreda</a:t>
             </a:r>
           </a:p>
         </p:txBody>
       </p:sp>
       <p:pic>
         <p:nvPicPr>
-          <p:cNvPr id="6" name="Picture 1">
-            <a:extLst>
-              <a:ext uri="{FF2B5EF4-FFF2-40B4-BE49-F238E27FC236}">
-                <a16:creationId xmlns:a16="http://schemas.microsoft.com/office/drawing/2014/main" id="{5B974CDE-3F0C-EA0D-EBA6-EB55A5592F5D}"/>
+          <p:cNvPr id="7" name="Content Placeholder 6" descr="A diagram of a company&#10;&#10;Description automatically generated with medium confidence">
+            <a:extLst>
+              <a:ext uri="{FF2B5EF4-FFF2-40B4-BE49-F238E27FC236}">
+                <a16:creationId xmlns:a16="http://schemas.microsoft.com/office/drawing/2014/main" id="{9B984C00-FA0E-DC01-E2CE-35ED80F8A614}"/>
               </a:ext>
             </a:extLst>
           </p:cNvPr>
           <p:cNvPicPr>
-            <a:picLocks noChangeAspect="1"/>
+            <a:picLocks noGrp="1" noChangeAspect="1"/>
           </p:cNvPicPr>
-          <p:nvPr/>
+          <p:nvPr>
+            <p:ph idx="1"/>
+          </p:nvPr>
         </p:nvPicPr>
         <p:blipFill>
           <a:blip r:embed="rId2"/>
@@ -6336,8 +6534,8 @@
         </p:blipFill>
         <p:spPr>
           <a:xfrm>
-            <a:off x="1925717" y="1000666"/>
-            <a:ext cx="8340565" cy="5857334"/>
+            <a:off x="838200" y="2322693"/>
+            <a:ext cx="10515600" cy="3357202"/>
           </a:xfrm>
           <a:prstGeom prst="rect">
             <a:avLst/>
@@ -6347,7 +6545,7 @@
     </p:spTree>
     <p:extLst>
       <p:ext uri="{BB962C8B-B14F-4D97-AF65-F5344CB8AC3E}">
-        <p14:creationId xmlns:p14="http://schemas.microsoft.com/office/powerpoint/2010/main" val="1968508340"/>
+        <p14:creationId xmlns:p14="http://schemas.microsoft.com/office/powerpoint/2010/main" val="972985012"/>
       </p:ext>
     </p:extLst>
   </p:cSld>
@@ -6409,43 +6607,47 @@
           <a:p>
             <a:r>
               <a:rPr lang="hr-HR" dirty="0"/>
-              <a:t>Dijagram razmještaja</a:t>
-            </a:r>
-          </a:p>
-        </p:txBody>
-      </p:sp>
-      <p:sp>
-        <p:nvSpPr>
-          <p:cNvPr id="4" name="Content Placeholder 3">
-            <a:extLst>
-              <a:ext uri="{FF2B5EF4-FFF2-40B4-BE49-F238E27FC236}">
-                <a16:creationId xmlns:a16="http://schemas.microsoft.com/office/drawing/2014/main" id="{2FB5EF2B-2FD3-43C9-AB33-70EFE71CDB7A}"/>
-              </a:ext>
-            </a:extLst>
-          </p:cNvPr>
-          <p:cNvSpPr>
-            <a:spLocks noGrp="1"/>
-          </p:cNvSpPr>
+              <a:t>Dijagram razreda</a:t>
+            </a:r>
+          </a:p>
+        </p:txBody>
+      </p:sp>
+      <p:pic>
+        <p:nvPicPr>
+          <p:cNvPr id="6" name="Content Placeholder 5" descr="A screenshot of a computer&#10;&#10;Description automatically generated">
+            <a:extLst>
+              <a:ext uri="{FF2B5EF4-FFF2-40B4-BE49-F238E27FC236}">
+                <a16:creationId xmlns:a16="http://schemas.microsoft.com/office/drawing/2014/main" id="{6011AA5F-594B-71E5-8E4C-93F64BA0700D}"/>
+              </a:ext>
+            </a:extLst>
+          </p:cNvPr>
+          <p:cNvPicPr>
+            <a:picLocks noGrp="1" noChangeAspect="1"/>
+          </p:cNvPicPr>
           <p:nvPr>
             <p:ph idx="1"/>
           </p:nvPr>
-        </p:nvSpPr>
-        <p:spPr/>
-        <p:txBody>
-          <a:bodyPr/>
-          <a:lstStyle/>
-          <a:p>
-            <a:r>
-              <a:rPr lang="hr-HR" dirty="0"/>
-              <a:t>Izdvojiti jedan koji najbolje opisuje implementaciju i razmještaj vaše aplikacije</a:t>
-            </a:r>
-          </a:p>
-        </p:txBody>
-      </p:sp>
+        </p:nvPicPr>
+        <p:blipFill>
+          <a:blip r:embed="rId2"/>
+          <a:stretch>
+            <a:fillRect/>
+          </a:stretch>
+        </p:blipFill>
+        <p:spPr>
+          <a:xfrm>
+            <a:off x="838200" y="3061002"/>
+            <a:ext cx="11014100" cy="1969735"/>
+          </a:xfrm>
+          <a:prstGeom prst="rect">
+            <a:avLst/>
+          </a:prstGeom>
+        </p:spPr>
+      </p:pic>
     </p:spTree>
     <p:extLst>
       <p:ext uri="{BB962C8B-B14F-4D97-AF65-F5344CB8AC3E}">
-        <p14:creationId xmlns:p14="http://schemas.microsoft.com/office/powerpoint/2010/main" val="2057453987"/>
+        <p14:creationId xmlns:p14="http://schemas.microsoft.com/office/powerpoint/2010/main" val="3636186061"/>
       </p:ext>
     </p:extLst>
   </p:cSld>

--- a/DOKUMENTACIJA UML/OORP-8_PredložakPrezentacije.pptx
+++ b/DOKUMENTACIJA UML/OORP-8_PredložakPrezentacije.pptx
@@ -4219,34 +4219,35 @@
           </a:p>
         </p:txBody>
       </p:sp>
-      <p:sp>
-        <p:nvSpPr>
-          <p:cNvPr id="4" name="Content Placeholder 3">
-            <a:extLst>
-              <a:ext uri="{FF2B5EF4-FFF2-40B4-BE49-F238E27FC236}">
-                <a16:creationId xmlns:a16="http://schemas.microsoft.com/office/drawing/2014/main" id="{2FB5EF2B-2FD3-43C9-AB33-70EFE71CDB7A}"/>
-              </a:ext>
-            </a:extLst>
-          </p:cNvPr>
-          <p:cNvSpPr>
-            <a:spLocks noGrp="1"/>
-          </p:cNvSpPr>
+      <p:pic>
+        <p:nvPicPr>
+          <p:cNvPr id="5" name="Content Placeholder 4">
+            <a:extLst>
+              <a:ext uri="{FF2B5EF4-FFF2-40B4-BE49-F238E27FC236}">
+                <a16:creationId xmlns:a16="http://schemas.microsoft.com/office/drawing/2014/main" id="{B393AA31-19C8-1E85-5CA7-05A93966EB89}"/>
+              </a:ext>
+            </a:extLst>
+          </p:cNvPr>
+          <p:cNvPicPr>
+            <a:picLocks noGrp="1" noChangeAspect="1"/>
+          </p:cNvPicPr>
           <p:nvPr>
             <p:ph idx="1"/>
           </p:nvPr>
-        </p:nvSpPr>
-        <p:spPr/>
-        <p:txBody>
-          <a:bodyPr/>
-          <a:lstStyle/>
-          <a:p>
-            <a:r>
-              <a:rPr lang="hr-HR" dirty="0"/>
-              <a:t>Izdvojiti jedan koji najbolje opisuje implementaciju i razmještaj vaše aplikacije</a:t>
-            </a:r>
-          </a:p>
-        </p:txBody>
-      </p:sp>
+        </p:nvPicPr>
+        <p:blipFill>
+          <a:blip r:embed="rId2"/>
+          <a:stretch>
+            <a:fillRect/>
+          </a:stretch>
+        </p:blipFill>
+        <p:spPr>
+          <a:xfrm>
+            <a:off x="838200" y="1889867"/>
+            <a:ext cx="10515600" cy="4222854"/>
+          </a:xfrm>
+        </p:spPr>
+      </p:pic>
     </p:spTree>
     <p:extLst>
       <p:ext uri="{BB962C8B-B14F-4D97-AF65-F5344CB8AC3E}">

--- a/DOKUMENTACIJA UML/OORP-8_PredložakPrezentacije.pptx
+++ b/DOKUMENTACIJA UML/OORP-8_PredložakPrezentacije.pptx
@@ -5,7 +5,7 @@
     <p:sldMasterId id="2147483648" r:id="rId1"/>
   </p:sldMasterIdLst>
   <p:notesMasterIdLst>
-    <p:notesMasterId r:id="rId16"/>
+    <p:notesMasterId r:id="rId17"/>
   </p:notesMasterIdLst>
   <p:sldIdLst>
     <p:sldId id="256" r:id="rId2"/>
@@ -20,8 +20,9 @@
     <p:sldId id="265" r:id="rId11"/>
     <p:sldId id="271" r:id="rId12"/>
     <p:sldId id="262" r:id="rId13"/>
-    <p:sldId id="260" r:id="rId14"/>
-    <p:sldId id="267" r:id="rId15"/>
+    <p:sldId id="278" r:id="rId14"/>
+    <p:sldId id="260" r:id="rId15"/>
+    <p:sldId id="267" r:id="rId16"/>
   </p:sldIdLst>
   <p:sldSz cx="12192000" cy="6858000"/>
   <p:notesSz cx="6858000" cy="9144000"/>
@@ -4340,35 +4341,220 @@
           <a:lstStyle/>
           <a:p>
             <a:r>
-              <a:rPr lang="hr-HR" dirty="0"/>
-              <a:t>Mogu li se u vašoj implementaciji prepoznati neka od SOLID načela dobrog oblikovanja? (prema e-skripti „Procesi programskog inženjerstva”, str. 102-108)</a:t>
-            </a:r>
-          </a:p>
-          <a:p>
-            <a:r>
-              <a:rPr lang="hr-HR" dirty="0"/>
-              <a:t>Ako se može takvo nešto naći izdvojiti primjere:</a:t>
+              <a:rPr lang="hr-HR" b="1" dirty="0"/>
+              <a:t>Princip jedne odgovornosti</a:t>
             </a:r>
           </a:p>
           <a:p>
             <a:pPr lvl="1"/>
             <a:r>
-              <a:rPr lang="hr-HR" dirty="0"/>
-              <a:t>isječak koda</a:t>
-            </a:r>
-          </a:p>
-          <a:p>
-            <a:pPr lvl="1"/>
-            <a:r>
-              <a:rPr lang="hr-HR" dirty="0"/>
-              <a:t>u kojem se načelu radi?</a:t>
-            </a:r>
-          </a:p>
-          <a:p>
-            <a:endParaRPr lang="hr-HR" dirty="0"/>
-          </a:p>
-        </p:txBody>
-      </p:sp>
+              <a:rPr lang="hr-HR" b="0" i="0" dirty="0">
+                <a:solidFill>
+                  <a:srgbClr val="111111"/>
+                </a:solidFill>
+                <a:effectLst/>
+                <a:highlight>
+                  <a:srgbClr val="FFFFFF"/>
+                </a:highlight>
+                <a:latin typeface="-apple-system"/>
+              </a:rPr>
+              <a:t>Klasa </a:t>
+            </a:r>
+            <a:r>
+              <a:rPr lang="hr-HR" b="0" i="0" dirty="0" err="1">
+                <a:solidFill>
+                  <a:srgbClr val="111111"/>
+                </a:solidFill>
+                <a:effectLst/>
+                <a:highlight>
+                  <a:srgbClr val="FFFFFF"/>
+                </a:highlight>
+                <a:latin typeface="-apple-system"/>
+              </a:rPr>
+              <a:t>Recipe</a:t>
+            </a:r>
+            <a:r>
+              <a:rPr lang="hr-HR" b="0" i="0" dirty="0">
+                <a:solidFill>
+                  <a:srgbClr val="111111"/>
+                </a:solidFill>
+                <a:effectLst/>
+                <a:highlight>
+                  <a:srgbClr val="FFFFFF"/>
+                </a:highlight>
+                <a:latin typeface="-apple-system"/>
+              </a:rPr>
+              <a:t> koji sadržava osnovne podatke recepta te klasa </a:t>
+            </a:r>
+            <a:r>
+              <a:rPr lang="hr-HR" b="0" i="0" dirty="0" err="1">
+                <a:solidFill>
+                  <a:srgbClr val="111111"/>
+                </a:solidFill>
+                <a:effectLst/>
+                <a:highlight>
+                  <a:srgbClr val="FFFFFF"/>
+                </a:highlight>
+                <a:latin typeface="-apple-system"/>
+              </a:rPr>
+              <a:t>Recipe</a:t>
+            </a:r>
+            <a:r>
+              <a:rPr lang="hr-HR" dirty="0" err="1">
+                <a:solidFill>
+                  <a:srgbClr val="111111"/>
+                </a:solidFill>
+                <a:highlight>
+                  <a:srgbClr val="FFFFFF"/>
+                </a:highlight>
+                <a:latin typeface="-apple-system"/>
+              </a:rPr>
+              <a:t>Repository</a:t>
+            </a:r>
+            <a:r>
+              <a:rPr lang="hr-HR" dirty="0">
+                <a:solidFill>
+                  <a:srgbClr val="111111"/>
+                </a:solidFill>
+                <a:highlight>
+                  <a:srgbClr val="FFFFFF"/>
+                </a:highlight>
+                <a:latin typeface="-apple-system"/>
+              </a:rPr>
+              <a:t> koji sadrži funkcije za upravljanja nad bazom, isto tako je i za klasu User i </a:t>
+            </a:r>
+            <a:r>
+              <a:rPr lang="hr-HR" dirty="0" err="1">
+                <a:solidFill>
+                  <a:srgbClr val="111111"/>
+                </a:solidFill>
+                <a:highlight>
+                  <a:srgbClr val="FFFFFF"/>
+                </a:highlight>
+                <a:latin typeface="-apple-system"/>
+              </a:rPr>
+              <a:t>UserRepository</a:t>
+            </a:r>
+            <a:r>
+              <a:rPr lang="hr-HR" dirty="0">
+                <a:solidFill>
+                  <a:srgbClr val="111111"/>
+                </a:solidFill>
+                <a:highlight>
+                  <a:srgbClr val="FFFFFF"/>
+                </a:highlight>
+                <a:latin typeface="-apple-system"/>
+              </a:rPr>
+              <a:t> te klasu </a:t>
+            </a:r>
+            <a:r>
+              <a:rPr lang="hr-HR" dirty="0" err="1">
+                <a:solidFill>
+                  <a:srgbClr val="111111"/>
+                </a:solidFill>
+                <a:highlight>
+                  <a:srgbClr val="FFFFFF"/>
+                </a:highlight>
+                <a:latin typeface="-apple-system"/>
+              </a:rPr>
+              <a:t>Favorites</a:t>
+            </a:r>
+            <a:r>
+              <a:rPr lang="hr-HR" dirty="0">
+                <a:solidFill>
+                  <a:srgbClr val="111111"/>
+                </a:solidFill>
+                <a:highlight>
+                  <a:srgbClr val="FFFFFF"/>
+                </a:highlight>
+                <a:latin typeface="-apple-system"/>
+              </a:rPr>
+              <a:t> i </a:t>
+            </a:r>
+            <a:r>
+              <a:rPr lang="hr-HR" dirty="0" err="1">
+                <a:solidFill>
+                  <a:srgbClr val="111111"/>
+                </a:solidFill>
+                <a:highlight>
+                  <a:srgbClr val="FFFFFF"/>
+                </a:highlight>
+                <a:latin typeface="-apple-system"/>
+              </a:rPr>
+              <a:t>FavoritesRepository</a:t>
+            </a:r>
+            <a:endParaRPr lang="hr-HR" dirty="0">
+              <a:solidFill>
+                <a:srgbClr val="111111"/>
+              </a:solidFill>
+              <a:highlight>
+                <a:srgbClr val="FFFFFF"/>
+              </a:highlight>
+              <a:latin typeface="-apple-system"/>
+            </a:endParaRPr>
+          </a:p>
+        </p:txBody>
+      </p:sp>
+      <p:pic>
+        <p:nvPicPr>
+          <p:cNvPr id="7" name="Picture 6">
+            <a:extLst>
+              <a:ext uri="{FF2B5EF4-FFF2-40B4-BE49-F238E27FC236}">
+                <a16:creationId xmlns:a16="http://schemas.microsoft.com/office/drawing/2014/main" id="{3462E5E2-FF3B-CD88-F588-C0855D0346CA}"/>
+              </a:ext>
+            </a:extLst>
+          </p:cNvPr>
+          <p:cNvPicPr>
+            <a:picLocks noChangeAspect="1"/>
+          </p:cNvPicPr>
+          <p:nvPr/>
+        </p:nvPicPr>
+        <p:blipFill>
+          <a:blip r:embed="rId2"/>
+          <a:stretch>
+            <a:fillRect/>
+          </a:stretch>
+        </p:blipFill>
+        <p:spPr>
+          <a:xfrm>
+            <a:off x="1193141" y="3423309"/>
+            <a:ext cx="3704741" cy="3434691"/>
+          </a:xfrm>
+          <a:prstGeom prst="rect">
+            <a:avLst/>
+          </a:prstGeom>
+        </p:spPr>
+      </p:pic>
+      <p:pic>
+        <p:nvPicPr>
+          <p:cNvPr id="8" name="Picture 7">
+            <a:extLst>
+              <a:ext uri="{FF2B5EF4-FFF2-40B4-BE49-F238E27FC236}">
+                <a16:creationId xmlns:a16="http://schemas.microsoft.com/office/drawing/2014/main" id="{32849C76-F1D9-672E-FE51-D869CA7EA005}"/>
+              </a:ext>
+            </a:extLst>
+          </p:cNvPr>
+          <p:cNvPicPr>
+            <a:picLocks noChangeAspect="1"/>
+          </p:cNvPicPr>
+          <p:nvPr/>
+        </p:nvPicPr>
+        <p:blipFill>
+          <a:blip r:embed="rId3"/>
+          <a:stretch>
+            <a:fillRect/>
+          </a:stretch>
+        </p:blipFill>
+        <p:spPr>
+          <a:xfrm>
+            <a:off x="5194949" y="3783965"/>
+            <a:ext cx="5992061" cy="2553056"/>
+          </a:xfrm>
+          <a:prstGeom prst="rect">
+            <a:avLst/>
+          </a:prstGeom>
+        </p:spPr>
+      </p:pic>
     </p:spTree>
     <p:extLst>
       <p:ext uri="{BB962C8B-B14F-4D97-AF65-F5344CB8AC3E}">
@@ -4416,6 +4602,268 @@
           <p:cNvPr id="2" name="Title 1">
             <a:extLst>
               <a:ext uri="{FF2B5EF4-FFF2-40B4-BE49-F238E27FC236}">
+                <a16:creationId xmlns:a16="http://schemas.microsoft.com/office/drawing/2014/main" id="{5845D1D0-95A2-40A2-82AC-44659415F904}"/>
+              </a:ext>
+            </a:extLst>
+          </p:cNvPr>
+          <p:cNvSpPr>
+            <a:spLocks noGrp="1"/>
+          </p:cNvSpPr>
+          <p:nvPr>
+            <p:ph type="title"/>
+          </p:nvPr>
+        </p:nvSpPr>
+        <p:spPr/>
+        <p:txBody>
+          <a:bodyPr/>
+          <a:lstStyle/>
+          <a:p>
+            <a:r>
+              <a:rPr lang="hr-HR" dirty="0"/>
+              <a:t>Načela dobrog oblikovanja</a:t>
+            </a:r>
+          </a:p>
+        </p:txBody>
+      </p:sp>
+      <p:sp>
+        <p:nvSpPr>
+          <p:cNvPr id="3" name="Content Placeholder 2">
+            <a:extLst>
+              <a:ext uri="{FF2B5EF4-FFF2-40B4-BE49-F238E27FC236}">
+                <a16:creationId xmlns:a16="http://schemas.microsoft.com/office/drawing/2014/main" id="{284C3ADB-43D5-4F5D-96F5-BAE983F6C7D1}"/>
+              </a:ext>
+            </a:extLst>
+          </p:cNvPr>
+          <p:cNvSpPr>
+            <a:spLocks noGrp="1"/>
+          </p:cNvSpPr>
+          <p:nvPr>
+            <p:ph idx="1"/>
+          </p:nvPr>
+        </p:nvSpPr>
+        <p:spPr>
+          <a:xfrm>
+            <a:off x="838200" y="1825625"/>
+            <a:ext cx="6303380" cy="4351338"/>
+          </a:xfrm>
+        </p:spPr>
+        <p:txBody>
+          <a:bodyPr/>
+          <a:lstStyle/>
+          <a:p>
+            <a:r>
+              <a:rPr lang="hr-HR" b="1" dirty="0"/>
+              <a:t>Princip segregacije sučelja</a:t>
+            </a:r>
+          </a:p>
+          <a:p>
+            <a:pPr lvl="1"/>
+            <a:r>
+              <a:rPr lang="hr-HR" dirty="0">
+                <a:solidFill>
+                  <a:srgbClr val="111111"/>
+                </a:solidFill>
+                <a:highlight>
+                  <a:srgbClr val="FFFFFF"/>
+                </a:highlight>
+                <a:latin typeface="-apple-system"/>
+              </a:rPr>
+              <a:t>Komponenta "</a:t>
+            </a:r>
+            <a:r>
+              <a:rPr lang="hr-HR" dirty="0" err="1">
+                <a:solidFill>
+                  <a:srgbClr val="111111"/>
+                </a:solidFill>
+                <a:highlight>
+                  <a:srgbClr val="FFFFFF"/>
+                </a:highlight>
+                <a:latin typeface="-apple-system"/>
+              </a:rPr>
+              <a:t>recipes</a:t>
+            </a:r>
+            <a:r>
+              <a:rPr lang="hr-HR" dirty="0">
+                <a:solidFill>
+                  <a:srgbClr val="111111"/>
+                </a:solidFill>
+                <a:highlight>
+                  <a:srgbClr val="FFFFFF"/>
+                </a:highlight>
+                <a:latin typeface="-apple-system"/>
+              </a:rPr>
+              <a:t>-list" odgovorna je samo za prikazivanje liste recepata.</a:t>
+            </a:r>
+          </a:p>
+          <a:p>
+            <a:pPr lvl="1"/>
+            <a:r>
+              <a:rPr lang="hr-HR" dirty="0">
+                <a:solidFill>
+                  <a:srgbClr val="111111"/>
+                </a:solidFill>
+                <a:highlight>
+                  <a:srgbClr val="FFFFFF"/>
+                </a:highlight>
+                <a:latin typeface="-apple-system"/>
+              </a:rPr>
+              <a:t>Komponenta "show-</a:t>
+            </a:r>
+            <a:r>
+              <a:rPr lang="hr-HR" dirty="0" err="1">
+                <a:solidFill>
+                  <a:srgbClr val="111111"/>
+                </a:solidFill>
+                <a:highlight>
+                  <a:srgbClr val="FFFFFF"/>
+                </a:highlight>
+                <a:latin typeface="-apple-system"/>
+              </a:rPr>
+              <a:t>recipe</a:t>
+            </a:r>
+            <a:r>
+              <a:rPr lang="hr-HR" dirty="0">
+                <a:solidFill>
+                  <a:srgbClr val="111111"/>
+                </a:solidFill>
+                <a:highlight>
+                  <a:srgbClr val="FFFFFF"/>
+                </a:highlight>
+                <a:latin typeface="-apple-system"/>
+              </a:rPr>
+              <a:t>" obuhvaća specifične zadatke vezane uz prikazivanje pojedinog recepta.</a:t>
+            </a:r>
+          </a:p>
+          <a:p>
+            <a:pPr lvl="1"/>
+            <a:r>
+              <a:rPr lang="hr-HR" dirty="0">
+                <a:solidFill>
+                  <a:srgbClr val="111111"/>
+                </a:solidFill>
+                <a:highlight>
+                  <a:srgbClr val="FFFFFF"/>
+                </a:highlight>
+                <a:latin typeface="-apple-system"/>
+              </a:rPr>
+              <a:t>Komponenta "</a:t>
+            </a:r>
+            <a:r>
+              <a:rPr lang="hr-HR" dirty="0" err="1">
+                <a:solidFill>
+                  <a:srgbClr val="111111"/>
+                </a:solidFill>
+                <a:highlight>
+                  <a:srgbClr val="FFFFFF"/>
+                </a:highlight>
+                <a:latin typeface="-apple-system"/>
+              </a:rPr>
+              <a:t>add-edit-recipe</a:t>
+            </a:r>
+            <a:r>
+              <a:rPr lang="hr-HR" dirty="0">
+                <a:solidFill>
+                  <a:srgbClr val="111111"/>
+                </a:solidFill>
+                <a:highlight>
+                  <a:srgbClr val="FFFFFF"/>
+                </a:highlight>
+                <a:latin typeface="-apple-system"/>
+              </a:rPr>
+              <a:t>" odgovorna je za dodavanje i uređivanje recepata.</a:t>
+            </a:r>
+          </a:p>
+          <a:p>
+            <a:pPr lvl="1"/>
+            <a:endParaRPr lang="hr-HR" dirty="0">
+              <a:solidFill>
+                <a:srgbClr val="111111"/>
+              </a:solidFill>
+              <a:highlight>
+                <a:srgbClr val="FFFFFF"/>
+              </a:highlight>
+              <a:latin typeface="-apple-system"/>
+            </a:endParaRPr>
+          </a:p>
+        </p:txBody>
+      </p:sp>
+      <p:pic>
+        <p:nvPicPr>
+          <p:cNvPr id="4" name="Picture 3">
+            <a:extLst>
+              <a:ext uri="{FF2B5EF4-FFF2-40B4-BE49-F238E27FC236}">
+                <a16:creationId xmlns:a16="http://schemas.microsoft.com/office/drawing/2014/main" id="{C4FDE649-73C3-56CE-C0DA-3B643661970E}"/>
+              </a:ext>
+            </a:extLst>
+          </p:cNvPr>
+          <p:cNvPicPr>
+            <a:picLocks noChangeAspect="1"/>
+          </p:cNvPicPr>
+          <p:nvPr/>
+        </p:nvPicPr>
+        <p:blipFill>
+          <a:blip r:embed="rId2"/>
+          <a:stretch>
+            <a:fillRect/>
+          </a:stretch>
+        </p:blipFill>
+        <p:spPr>
+          <a:xfrm>
+            <a:off x="8271754" y="1825625"/>
+            <a:ext cx="3920246" cy="3920246"/>
+          </a:xfrm>
+          <a:prstGeom prst="rect">
+            <a:avLst/>
+          </a:prstGeom>
+        </p:spPr>
+      </p:pic>
+    </p:spTree>
+    <p:extLst>
+      <p:ext uri="{BB962C8B-B14F-4D97-AF65-F5344CB8AC3E}">
+        <p14:creationId xmlns:p14="http://schemas.microsoft.com/office/powerpoint/2010/main" val="4165146474"/>
+      </p:ext>
+    </p:extLst>
+  </p:cSld>
+  <p:clrMapOvr>
+    <a:masterClrMapping/>
+  </p:clrMapOvr>
+  <mc:AlternateContent xmlns:mc="http://schemas.openxmlformats.org/markup-compatibility/2006">
+    <mc:Choice xmlns:p159="http://schemas.microsoft.com/office/powerpoint/2015/09/main" Requires="p159">
+      <p:transition xmlns:p14="http://schemas.microsoft.com/office/powerpoint/2010/main" spd="slow" p14:dur="2000">
+        <p159:morph option="byChar"/>
+      </p:transition>
+    </mc:Choice>
+    <mc:Fallback>
+      <p:transition spd="slow">
+        <p:fade/>
+      </p:transition>
+    </mc:Fallback>
+  </mc:AlternateContent>
+</p:sld>
+</file>
+
+<file path=ppt/slides/slide14.xml><?xml version="1.0" encoding="utf-8"?>
+<p:sld xmlns:a="http://schemas.openxmlformats.org/drawingml/2006/main" xmlns:r="http://schemas.openxmlformats.org/officeDocument/2006/relationships" xmlns:p="http://schemas.openxmlformats.org/presentationml/2006/main">
+  <p:cSld>
+    <p:spTree>
+      <p:nvGrpSpPr>
+        <p:cNvPr id="1" name=""/>
+        <p:cNvGrpSpPr/>
+        <p:nvPr/>
+      </p:nvGrpSpPr>
+      <p:grpSpPr>
+        <a:xfrm>
+          <a:off x="0" y="0"/>
+          <a:ext cx="0" cy="0"/>
+          <a:chOff x="0" y="0"/>
+          <a:chExt cx="0" cy="0"/>
+        </a:xfrm>
+      </p:grpSpPr>
+      <p:sp>
+        <p:nvSpPr>
+          <p:cNvPr id="2" name="Title 1">
+            <a:extLst>
+              <a:ext uri="{FF2B5EF4-FFF2-40B4-BE49-F238E27FC236}">
                 <a16:creationId xmlns:a16="http://schemas.microsoft.com/office/drawing/2014/main" id="{7FC0D986-3692-4867-9A5F-0A72E5787832}"/>
               </a:ext>
             </a:extLst>
@@ -4643,7 +5091,7 @@
 </p:sld>
 </file>
 
-<file path=ppt/slides/slide14.xml><?xml version="1.0" encoding="utf-8"?>
+<file path=ppt/slides/slide15.xml><?xml version="1.0" encoding="utf-8"?>
 <p:sld xmlns:a="http://schemas.openxmlformats.org/drawingml/2006/main" xmlns:r="http://schemas.openxmlformats.org/officeDocument/2006/relationships" xmlns:p="http://schemas.openxmlformats.org/presentationml/2006/main">
   <p:cSld>
     <p:bg>
